--- a/powerpoints/Day_15.pptx
+++ b/powerpoints/Day_15.pptx
@@ -5,7 +5,7 @@
     <p:sldMasterId id="2147483690" r:id="rId1"/>
   </p:sldMasterIdLst>
   <p:notesMasterIdLst>
-    <p:notesMasterId r:id="rId15"/>
+    <p:notesMasterId r:id="rId14"/>
   </p:notesMasterIdLst>
   <p:sldIdLst>
     <p:sldId id="256" r:id="rId2"/>
@@ -15,12 +15,11 @@
     <p:sldId id="276" r:id="rId6"/>
     <p:sldId id="278" r:id="rId7"/>
     <p:sldId id="274" r:id="rId8"/>
-    <p:sldId id="279" r:id="rId9"/>
-    <p:sldId id="267" r:id="rId10"/>
-    <p:sldId id="268" r:id="rId11"/>
-    <p:sldId id="269" r:id="rId12"/>
-    <p:sldId id="270" r:id="rId13"/>
-    <p:sldId id="271" r:id="rId14"/>
+    <p:sldId id="267" r:id="rId9"/>
+    <p:sldId id="268" r:id="rId10"/>
+    <p:sldId id="269" r:id="rId11"/>
+    <p:sldId id="270" r:id="rId12"/>
+    <p:sldId id="271" r:id="rId13"/>
   </p:sldIdLst>
   <p:sldSz cx="9144000" cy="6858000" type="screen4x3"/>
   <p:notesSz cx="7010400" cy="9296400"/>
@@ -563,7 +562,7 @@
           <a:p>
             <a:fld id="{247597C3-B3EB-4E5D-9F17-29538D6D2587}" type="datetimeFigureOut">
               <a:rPr lang="en-US" smtClean="0"/>
-              <a:t>4/9/2021</a:t>
+              <a:t>9/27/2021</a:t>
             </a:fld>
             <a:endParaRPr lang="en-US"/>
           </a:p>
@@ -37626,689 +37625,6 @@
   <p:cSld>
     <p:spTree>
       <p:nvGrpSpPr>
-        <p:cNvPr id="1" name="Shape 294"/>
-        <p:cNvGrpSpPr/>
-        <p:nvPr/>
-      </p:nvGrpSpPr>
-      <p:grpSpPr>
-        <a:xfrm>
-          <a:off x="0" y="0"/>
-          <a:ext cx="0" cy="0"/>
-          <a:chOff x="0" y="0"/>
-          <a:chExt cx="0" cy="0"/>
-        </a:xfrm>
-      </p:grpSpPr>
-      <p:sp>
-        <p:nvSpPr>
-          <p:cNvPr id="295" name="Google Shape;295;p27"/>
-          <p:cNvSpPr txBox="1">
-            <a:spLocks noGrp="1"/>
-          </p:cNvSpPr>
-          <p:nvPr>
-            <p:ph type="title"/>
-          </p:nvPr>
-        </p:nvSpPr>
-        <p:spPr>
-          <a:xfrm>
-            <a:off x="380010" y="-4950"/>
-            <a:ext cx="6222671" cy="1224150"/>
-          </a:xfrm>
-          <a:prstGeom prst="rect">
-            <a:avLst/>
-          </a:prstGeom>
-          <a:noFill/>
-          <a:ln>
-            <a:noFill/>
-          </a:ln>
-        </p:spPr>
-        <p:txBody>
-          <a:bodyPr spcFirstLastPara="1" wrap="square" lIns="91425" tIns="45700" rIns="91425" bIns="45700" anchor="ctr" anchorCtr="0">
-            <a:noAutofit/>
-          </a:bodyPr>
-          <a:lstStyle/>
-          <a:p>
-            <a:pPr marL="0" lvl="0" indent="0" algn="l" rtl="0">
-              <a:spcBef>
-                <a:spcPts val="0"/>
-              </a:spcBef>
-              <a:spcAft>
-                <a:spcPts val="0"/>
-              </a:spcAft>
-              <a:buClr>
-                <a:schemeClr val="lt1"/>
-              </a:buClr>
-              <a:buSzPts val="2400"/>
-              <a:buFont typeface="Arial"/>
-              <a:buNone/>
-            </a:pPr>
-            <a:r>
-              <a:rPr lang="en-US"/>
-              <a:t>Stacktraces Cont.</a:t>
-            </a:r>
-            <a:endParaRPr/>
-          </a:p>
-        </p:txBody>
-      </p:sp>
-      <p:sp>
-        <p:nvSpPr>
-          <p:cNvPr id="296" name="Google Shape;296;p27"/>
-          <p:cNvSpPr txBox="1">
-            <a:spLocks noGrp="1"/>
-          </p:cNvSpPr>
-          <p:nvPr>
-            <p:ph type="body" idx="1"/>
-          </p:nvPr>
-        </p:nvSpPr>
-        <p:spPr>
-          <a:xfrm>
-            <a:off x="380010" y="1481447"/>
-            <a:ext cx="8383980" cy="3250810"/>
-          </a:xfrm>
-          <a:prstGeom prst="rect">
-            <a:avLst/>
-          </a:prstGeom>
-          <a:ln/>
-        </p:spPr>
-        <p:style>
-          <a:lnRef idx="1">
-            <a:schemeClr val="accent2"/>
-          </a:lnRef>
-          <a:fillRef idx="2">
-            <a:schemeClr val="accent2"/>
-          </a:fillRef>
-          <a:effectRef idx="1">
-            <a:schemeClr val="accent2"/>
-          </a:effectRef>
-          <a:fontRef idx="minor">
-            <a:schemeClr val="dk1"/>
-          </a:fontRef>
-        </p:style>
-        <p:txBody>
-          <a:bodyPr spcFirstLastPara="1" wrap="square" lIns="91425" tIns="45700" rIns="91425" bIns="45700" anchor="t" anchorCtr="0">
-            <a:noAutofit/>
-          </a:bodyPr>
-          <a:lstStyle/>
-          <a:p>
-            <a:pPr marL="0" lvl="0" indent="0" algn="l" rtl="0">
-              <a:spcBef>
-                <a:spcPts val="0"/>
-              </a:spcBef>
-              <a:spcAft>
-                <a:spcPts val="0"/>
-              </a:spcAft>
-              <a:buSzPts val="1600"/>
-              <a:buNone/>
-            </a:pPr>
-            <a:r>
-              <a:rPr lang="en-US" sz="1600" dirty="0">
-                <a:latin typeface="Courier New"/>
-                <a:ea typeface="Courier New"/>
-                <a:cs typeface="Courier New"/>
-                <a:sym typeface="Courier New"/>
-              </a:rPr>
-              <a:t>public class Test {</a:t>
-            </a:r>
-            <a:endParaRPr dirty="0"/>
-          </a:p>
-          <a:p>
-            <a:pPr marL="0" lvl="0" indent="0" algn="l" rtl="0">
-              <a:spcBef>
-                <a:spcPts val="320"/>
-              </a:spcBef>
-              <a:spcAft>
-                <a:spcPts val="0"/>
-              </a:spcAft>
-              <a:buSzPts val="1600"/>
-              <a:buNone/>
-            </a:pPr>
-            <a:r>
-              <a:rPr lang="en-US" sz="1600" dirty="0">
-                <a:latin typeface="Courier New"/>
-                <a:ea typeface="Courier New"/>
-                <a:cs typeface="Courier New"/>
-                <a:sym typeface="Courier New"/>
-              </a:rPr>
-              <a:t>	public static void main(String[] </a:t>
-            </a:r>
-            <a:r>
-              <a:rPr lang="en-US" sz="1600" dirty="0" err="1">
-                <a:latin typeface="Courier New"/>
-                <a:ea typeface="Courier New"/>
-                <a:cs typeface="Courier New"/>
-                <a:sym typeface="Courier New"/>
-              </a:rPr>
-              <a:t>args</a:t>
-            </a:r>
-            <a:r>
-              <a:rPr lang="en-US" sz="1600" dirty="0">
-                <a:latin typeface="Courier New"/>
-                <a:ea typeface="Courier New"/>
-                <a:cs typeface="Courier New"/>
-                <a:sym typeface="Courier New"/>
-              </a:rPr>
-              <a:t>) {</a:t>
-            </a:r>
-            <a:endParaRPr dirty="0"/>
-          </a:p>
-          <a:p>
-            <a:pPr marL="0" lvl="0" indent="0" algn="l" rtl="0">
-              <a:spcBef>
-                <a:spcPts val="320"/>
-              </a:spcBef>
-              <a:spcAft>
-                <a:spcPts val="0"/>
-              </a:spcAft>
-              <a:buSzPts val="1600"/>
-              <a:buNone/>
-            </a:pPr>
-            <a:r>
-              <a:rPr lang="en-US" sz="1600" dirty="0">
-                <a:latin typeface="Courier New"/>
-                <a:ea typeface="Courier New"/>
-                <a:cs typeface="Courier New"/>
-                <a:sym typeface="Courier New"/>
-              </a:rPr>
-              <a:t>		</a:t>
-            </a:r>
-            <a:r>
-              <a:rPr lang="en-US" sz="1600" dirty="0" err="1">
-                <a:latin typeface="Courier New"/>
-                <a:ea typeface="Courier New"/>
-                <a:cs typeface="Courier New"/>
-                <a:sym typeface="Courier New"/>
-              </a:rPr>
-              <a:t>mathInvoker</a:t>
-            </a:r>
-            <a:r>
-              <a:rPr lang="en-US" sz="1600" dirty="0">
-                <a:latin typeface="Courier New"/>
-                <a:ea typeface="Courier New"/>
-                <a:cs typeface="Courier New"/>
-                <a:sym typeface="Courier New"/>
-              </a:rPr>
-              <a:t>(1, 0);</a:t>
-            </a:r>
-            <a:endParaRPr dirty="0"/>
-          </a:p>
-          <a:p>
-            <a:pPr marL="0" lvl="0" indent="0" algn="l" rtl="0">
-              <a:spcBef>
-                <a:spcPts val="320"/>
-              </a:spcBef>
-              <a:spcAft>
-                <a:spcPts val="0"/>
-              </a:spcAft>
-              <a:buSzPts val="1600"/>
-              <a:buNone/>
-            </a:pPr>
-            <a:r>
-              <a:rPr lang="en-US" sz="1600" dirty="0">
-                <a:latin typeface="Courier New"/>
-                <a:ea typeface="Courier New"/>
-                <a:cs typeface="Courier New"/>
-                <a:sym typeface="Courier New"/>
-              </a:rPr>
-              <a:t>	}</a:t>
-            </a:r>
-            <a:endParaRPr dirty="0"/>
-          </a:p>
-          <a:p>
-            <a:pPr marL="0" lvl="0" indent="0" algn="l" rtl="0">
-              <a:spcBef>
-                <a:spcPts val="320"/>
-              </a:spcBef>
-              <a:spcAft>
-                <a:spcPts val="0"/>
-              </a:spcAft>
-              <a:buSzPts val="1600"/>
-              <a:buNone/>
-            </a:pPr>
-            <a:r>
-              <a:rPr lang="en-US" sz="1600" dirty="0">
-                <a:latin typeface="Courier New"/>
-                <a:ea typeface="Courier New"/>
-                <a:cs typeface="Courier New"/>
-                <a:sym typeface="Courier New"/>
-              </a:rPr>
-              <a:t>	public static void </a:t>
-            </a:r>
-            <a:r>
-              <a:rPr lang="en-US" sz="1600" dirty="0" err="1">
-                <a:latin typeface="Courier New"/>
-                <a:ea typeface="Courier New"/>
-                <a:cs typeface="Courier New"/>
-                <a:sym typeface="Courier New"/>
-              </a:rPr>
-              <a:t>mathInvoker</a:t>
-            </a:r>
-            <a:r>
-              <a:rPr lang="en-US" sz="1600" dirty="0">
-                <a:latin typeface="Courier New"/>
-                <a:ea typeface="Courier New"/>
-                <a:cs typeface="Courier New"/>
-                <a:sym typeface="Courier New"/>
-              </a:rPr>
-              <a:t>(int a, int b) {</a:t>
-            </a:r>
-            <a:endParaRPr dirty="0"/>
-          </a:p>
-          <a:p>
-            <a:pPr marL="0" lvl="0" indent="0" algn="l" rtl="0">
-              <a:spcBef>
-                <a:spcPts val="320"/>
-              </a:spcBef>
-              <a:spcAft>
-                <a:spcPts val="0"/>
-              </a:spcAft>
-              <a:buSzPts val="1600"/>
-              <a:buNone/>
-            </a:pPr>
-            <a:r>
-              <a:rPr lang="en-US" sz="1600" dirty="0">
-                <a:latin typeface="Courier New"/>
-                <a:ea typeface="Courier New"/>
-                <a:cs typeface="Courier New"/>
-                <a:sym typeface="Courier New"/>
-              </a:rPr>
-              <a:t>		division(a, b);</a:t>
-            </a:r>
-            <a:endParaRPr dirty="0"/>
-          </a:p>
-          <a:p>
-            <a:pPr marL="0" lvl="0" indent="0" algn="l" rtl="0">
-              <a:spcBef>
-                <a:spcPts val="320"/>
-              </a:spcBef>
-              <a:spcAft>
-                <a:spcPts val="0"/>
-              </a:spcAft>
-              <a:buSzPts val="1600"/>
-              <a:buNone/>
-            </a:pPr>
-            <a:r>
-              <a:rPr lang="en-US" sz="1600" dirty="0">
-                <a:latin typeface="Courier New"/>
-                <a:ea typeface="Courier New"/>
-                <a:cs typeface="Courier New"/>
-                <a:sym typeface="Courier New"/>
-              </a:rPr>
-              <a:t>	}</a:t>
-            </a:r>
-            <a:endParaRPr dirty="0"/>
-          </a:p>
-          <a:p>
-            <a:pPr marL="0" lvl="0" indent="0" algn="l" rtl="0">
-              <a:spcBef>
-                <a:spcPts val="320"/>
-              </a:spcBef>
-              <a:spcAft>
-                <a:spcPts val="0"/>
-              </a:spcAft>
-              <a:buSzPts val="1600"/>
-              <a:buNone/>
-            </a:pPr>
-            <a:r>
-              <a:rPr lang="en-US" sz="1600" dirty="0">
-                <a:latin typeface="Courier New"/>
-                <a:ea typeface="Courier New"/>
-                <a:cs typeface="Courier New"/>
-                <a:sym typeface="Courier New"/>
-              </a:rPr>
-              <a:t>	public static void division(int a, int b) {</a:t>
-            </a:r>
-            <a:endParaRPr dirty="0"/>
-          </a:p>
-          <a:p>
-            <a:pPr marL="0" lvl="0" indent="0" algn="l" rtl="0">
-              <a:spcBef>
-                <a:spcPts val="320"/>
-              </a:spcBef>
-              <a:spcAft>
-                <a:spcPts val="0"/>
-              </a:spcAft>
-              <a:buSzPts val="1600"/>
-              <a:buNone/>
-            </a:pPr>
-            <a:r>
-              <a:rPr lang="en-US" sz="1600" dirty="0">
-                <a:latin typeface="Courier New"/>
-                <a:ea typeface="Courier New"/>
-                <a:cs typeface="Courier New"/>
-                <a:sym typeface="Courier New"/>
-              </a:rPr>
-              <a:t>		</a:t>
-            </a:r>
-            <a:r>
-              <a:rPr lang="en-US" sz="1600" dirty="0" err="1">
-                <a:latin typeface="Courier New"/>
-                <a:ea typeface="Courier New"/>
-                <a:cs typeface="Courier New"/>
-                <a:sym typeface="Courier New"/>
-              </a:rPr>
-              <a:t>System.out.println</a:t>
-            </a:r>
-            <a:r>
-              <a:rPr lang="en-US" sz="1600" dirty="0">
-                <a:latin typeface="Courier New"/>
-                <a:ea typeface="Courier New"/>
-                <a:cs typeface="Courier New"/>
-                <a:sym typeface="Courier New"/>
-              </a:rPr>
-              <a:t>("a / b:" + (a / b));</a:t>
-            </a:r>
-            <a:endParaRPr dirty="0"/>
-          </a:p>
-          <a:p>
-            <a:pPr marL="0" lvl="0" indent="0" algn="l" rtl="0">
-              <a:spcBef>
-                <a:spcPts val="320"/>
-              </a:spcBef>
-              <a:spcAft>
-                <a:spcPts val="0"/>
-              </a:spcAft>
-              <a:buSzPts val="1600"/>
-              <a:buNone/>
-            </a:pPr>
-            <a:r>
-              <a:rPr lang="en-US" sz="1600" dirty="0">
-                <a:latin typeface="Courier New"/>
-                <a:ea typeface="Courier New"/>
-                <a:cs typeface="Courier New"/>
-                <a:sym typeface="Courier New"/>
-              </a:rPr>
-              <a:t>	} </a:t>
-            </a:r>
-            <a:endParaRPr dirty="0"/>
-          </a:p>
-          <a:p>
-            <a:pPr marL="0" lvl="0" indent="0" algn="l" rtl="0">
-              <a:spcBef>
-                <a:spcPts val="320"/>
-              </a:spcBef>
-              <a:spcAft>
-                <a:spcPts val="0"/>
-              </a:spcAft>
-              <a:buSzPts val="1600"/>
-              <a:buNone/>
-            </a:pPr>
-            <a:r>
-              <a:rPr lang="en-US" sz="1600" dirty="0">
-                <a:latin typeface="Courier New"/>
-                <a:ea typeface="Courier New"/>
-                <a:cs typeface="Courier New"/>
-                <a:sym typeface="Courier New"/>
-              </a:rPr>
-              <a:t>}</a:t>
-            </a:r>
-            <a:endParaRPr dirty="0"/>
-          </a:p>
-          <a:p>
-            <a:pPr marL="0" lvl="0" indent="0" algn="l" rtl="0">
-              <a:spcBef>
-                <a:spcPts val="320"/>
-              </a:spcBef>
-              <a:spcAft>
-                <a:spcPts val="0"/>
-              </a:spcAft>
-              <a:buSzPts val="1600"/>
-              <a:buNone/>
-            </a:pPr>
-            <a:endParaRPr sz="1600" dirty="0">
-              <a:latin typeface="Courier New"/>
-              <a:ea typeface="Courier New"/>
-              <a:cs typeface="Courier New"/>
-              <a:sym typeface="Courier New"/>
-            </a:endParaRPr>
-          </a:p>
-        </p:txBody>
-      </p:sp>
-      <p:sp>
-        <p:nvSpPr>
-          <p:cNvPr id="297" name="Google Shape;297;p27"/>
-          <p:cNvSpPr txBox="1">
-            <a:spLocks noGrp="1"/>
-          </p:cNvSpPr>
-          <p:nvPr>
-            <p:ph type="sldNum" idx="12"/>
-          </p:nvPr>
-        </p:nvSpPr>
-        <p:spPr>
-          <a:xfrm>
-            <a:off x="8122757" y="6363712"/>
-            <a:ext cx="861671" cy="365125"/>
-          </a:xfrm>
-          <a:prstGeom prst="rect">
-            <a:avLst/>
-          </a:prstGeom>
-          <a:noFill/>
-          <a:ln>
-            <a:noFill/>
-          </a:ln>
-        </p:spPr>
-        <p:txBody>
-          <a:bodyPr spcFirstLastPara="1" wrap="square" lIns="91425" tIns="45700" rIns="91425" bIns="45700" anchor="ctr" anchorCtr="0">
-            <a:noAutofit/>
-          </a:bodyPr>
-          <a:lstStyle/>
-          <a:p>
-            <a:pPr marL="0" lvl="0" indent="0" algn="r" rtl="0">
-              <a:spcBef>
-                <a:spcPts val="0"/>
-              </a:spcBef>
-              <a:spcAft>
-                <a:spcPts val="0"/>
-              </a:spcAft>
-              <a:buNone/>
-            </a:pPr>
-            <a:fld id="{00000000-1234-1234-1234-123412341234}" type="slidenum">
-              <a:rPr lang="en-US"/>
-              <a:t>9</a:t>
-            </a:fld>
-            <a:endParaRPr/>
-          </a:p>
-        </p:txBody>
-      </p:sp>
-      <p:sp>
-        <p:nvSpPr>
-          <p:cNvPr id="2" name="Rectangle 1">
-            <a:extLst>
-              <a:ext uri="{FF2B5EF4-FFF2-40B4-BE49-F238E27FC236}">
-                <a16:creationId xmlns:a16="http://schemas.microsoft.com/office/drawing/2014/main" id="{F3D525DE-2ED0-40F9-BA2A-E74AB16BF822}"/>
-              </a:ext>
-            </a:extLst>
-          </p:cNvPr>
-          <p:cNvSpPr/>
-          <p:nvPr/>
-        </p:nvSpPr>
-        <p:spPr>
-          <a:xfrm>
-            <a:off x="915869" y="5138228"/>
-            <a:ext cx="7312262" cy="1225484"/>
-          </a:xfrm>
-          <a:prstGeom prst="rect">
-            <a:avLst/>
-          </a:prstGeom>
-        </p:spPr>
-        <p:style>
-          <a:lnRef idx="1">
-            <a:schemeClr val="accent1"/>
-          </a:lnRef>
-          <a:fillRef idx="2">
-            <a:schemeClr val="accent1"/>
-          </a:fillRef>
-          <a:effectRef idx="1">
-            <a:schemeClr val="accent1"/>
-          </a:effectRef>
-          <a:fontRef idx="minor">
-            <a:schemeClr val="dk1"/>
-          </a:fontRef>
-        </p:style>
-        <p:txBody>
-          <a:bodyPr rtlCol="0" anchor="ctr"/>
-          <a:lstStyle/>
-          <a:p>
-            <a:pPr lvl="0">
-              <a:spcBef>
-                <a:spcPts val="320"/>
-              </a:spcBef>
-              <a:buSzPts val="1600"/>
-            </a:pPr>
-            <a:r>
-              <a:rPr lang="en-US" dirty="0">
-                <a:latin typeface="Courier New"/>
-                <a:ea typeface="Courier New"/>
-                <a:cs typeface="Courier New"/>
-                <a:sym typeface="Courier New"/>
-              </a:rPr>
-              <a:t>Exception in thread "main" </a:t>
-            </a:r>
-            <a:r>
-              <a:rPr lang="en-US" dirty="0" err="1">
-                <a:latin typeface="Courier New"/>
-                <a:ea typeface="Courier New"/>
-                <a:cs typeface="Courier New"/>
-                <a:sym typeface="Courier New"/>
-              </a:rPr>
-              <a:t>java.lang.ArithmeticException</a:t>
-            </a:r>
-            <a:r>
-              <a:rPr lang="en-US" dirty="0">
-                <a:latin typeface="Courier New"/>
-                <a:ea typeface="Courier New"/>
-                <a:cs typeface="Courier New"/>
-                <a:sym typeface="Courier New"/>
-              </a:rPr>
-              <a:t>: / by zero</a:t>
-            </a:r>
-            <a:endParaRPr lang="en-US" dirty="0"/>
-          </a:p>
-          <a:p>
-            <a:pPr lvl="0">
-              <a:spcBef>
-                <a:spcPts val="320"/>
-              </a:spcBef>
-              <a:buSzPts val="1600"/>
-            </a:pPr>
-            <a:r>
-              <a:rPr lang="en-US" dirty="0">
-                <a:latin typeface="Courier New"/>
-                <a:ea typeface="Courier New"/>
-                <a:cs typeface="Courier New"/>
-                <a:sym typeface="Courier New"/>
-              </a:rPr>
-              <a:t>	at </a:t>
-            </a:r>
-            <a:r>
-              <a:rPr lang="en-US" dirty="0" err="1">
-                <a:latin typeface="Courier New"/>
-                <a:ea typeface="Courier New"/>
-                <a:cs typeface="Courier New"/>
-                <a:sym typeface="Courier New"/>
-              </a:rPr>
-              <a:t>samples.Test.division</a:t>
-            </a:r>
-            <a:r>
-              <a:rPr lang="en-US" dirty="0">
-                <a:latin typeface="Courier New"/>
-                <a:ea typeface="Courier New"/>
-                <a:cs typeface="Courier New"/>
-                <a:sym typeface="Courier New"/>
-              </a:rPr>
-              <a:t>(Test.java:11)</a:t>
-            </a:r>
-            <a:endParaRPr lang="en-US" dirty="0"/>
-          </a:p>
-          <a:p>
-            <a:pPr lvl="0">
-              <a:spcBef>
-                <a:spcPts val="320"/>
-              </a:spcBef>
-              <a:buSzPts val="1600"/>
-            </a:pPr>
-            <a:r>
-              <a:rPr lang="en-US" dirty="0">
-                <a:latin typeface="Courier New"/>
-                <a:ea typeface="Courier New"/>
-                <a:cs typeface="Courier New"/>
-                <a:sym typeface="Courier New"/>
-              </a:rPr>
-              <a:t>	at </a:t>
-            </a:r>
-            <a:r>
-              <a:rPr lang="en-US" dirty="0" err="1">
-                <a:latin typeface="Courier New"/>
-                <a:ea typeface="Courier New"/>
-                <a:cs typeface="Courier New"/>
-                <a:sym typeface="Courier New"/>
-              </a:rPr>
-              <a:t>samples.Test.mathInvoker</a:t>
-            </a:r>
-            <a:r>
-              <a:rPr lang="en-US" dirty="0">
-                <a:latin typeface="Courier New"/>
-                <a:ea typeface="Courier New"/>
-                <a:cs typeface="Courier New"/>
-                <a:sym typeface="Courier New"/>
-              </a:rPr>
-              <a:t>(Test.java:8)</a:t>
-            </a:r>
-            <a:endParaRPr lang="en-US" dirty="0"/>
-          </a:p>
-          <a:p>
-            <a:pPr lvl="0">
-              <a:spcBef>
-                <a:spcPts val="320"/>
-              </a:spcBef>
-              <a:buSzPts val="1600"/>
-            </a:pPr>
-            <a:r>
-              <a:rPr lang="en-US" dirty="0">
-                <a:latin typeface="Courier New"/>
-                <a:ea typeface="Courier New"/>
-                <a:cs typeface="Courier New"/>
-                <a:sym typeface="Courier New"/>
-              </a:rPr>
-              <a:t>	at </a:t>
-            </a:r>
-            <a:r>
-              <a:rPr lang="en-US" dirty="0" err="1">
-                <a:latin typeface="Courier New"/>
-                <a:ea typeface="Courier New"/>
-                <a:cs typeface="Courier New"/>
-                <a:sym typeface="Courier New"/>
-              </a:rPr>
-              <a:t>samples.Test.main</a:t>
-            </a:r>
-            <a:r>
-              <a:rPr lang="en-US" dirty="0">
-                <a:latin typeface="Courier New"/>
-                <a:ea typeface="Courier New"/>
-                <a:cs typeface="Courier New"/>
-                <a:sym typeface="Courier New"/>
-              </a:rPr>
-              <a:t>(Test.java:5)</a:t>
-            </a:r>
-            <a:endParaRPr lang="en-US" dirty="0"/>
-          </a:p>
-          <a:p>
-            <a:pPr algn="ctr"/>
-            <a:endParaRPr lang="en-US" dirty="0"/>
-          </a:p>
-        </p:txBody>
-      </p:sp>
-    </p:spTree>
-  </p:cSld>
-  <p:clrMapOvr>
-    <a:masterClrMapping/>
-  </p:clrMapOvr>
-</p:sld>
-</file>
-
-<file path=ppt/slides/slide11.xml><?xml version="1.0" encoding="utf-8"?>
-<p:sld xmlns:a="http://schemas.openxmlformats.org/drawingml/2006/main" xmlns:r="http://schemas.openxmlformats.org/officeDocument/2006/relationships" xmlns:p="http://schemas.openxmlformats.org/presentationml/2006/main">
-  <p:cSld>
-    <p:spTree>
-      <p:nvGrpSpPr>
         <p:cNvPr id="1" name="Shape 301"/>
         <p:cNvGrpSpPr/>
         <p:nvPr/>
@@ -38761,7 +38077,7 @@
             </a:pPr>
             <a:fld id="{00000000-1234-1234-1234-123412341234}" type="slidenum">
               <a:rPr lang="en-US"/>
-              <a:t>10</a:t>
+              <a:t>9</a:t>
             </a:fld>
             <a:endParaRPr/>
           </a:p>
@@ -38775,7 +38091,7 @@
 </p:sld>
 </file>
 
-<file path=ppt/slides/slide12.xml><?xml version="1.0" encoding="utf-8"?>
+<file path=ppt/slides/slide11.xml><?xml version="1.0" encoding="utf-8"?>
 <p:sld xmlns:a="http://schemas.openxmlformats.org/drawingml/2006/main" xmlns:r="http://schemas.openxmlformats.org/officeDocument/2006/relationships" xmlns:p="http://schemas.openxmlformats.org/presentationml/2006/main">
   <p:cSld>
     <p:spTree>
@@ -38981,7 +38297,7 @@
             </a:pPr>
             <a:fld id="{00000000-1234-1234-1234-123412341234}" type="slidenum">
               <a:rPr lang="en-US"/>
-              <a:t>11</a:t>
+              <a:t>10</a:t>
             </a:fld>
             <a:endParaRPr/>
           </a:p>
@@ -38995,7 +38311,7 @@
 </p:sld>
 </file>
 
-<file path=ppt/slides/slide13.xml><?xml version="1.0" encoding="utf-8"?>
+<file path=ppt/slides/slide12.xml><?xml version="1.0" encoding="utf-8"?>
 <p:sld xmlns:a="http://schemas.openxmlformats.org/drawingml/2006/main" xmlns:r="http://schemas.openxmlformats.org/officeDocument/2006/relationships" xmlns:p="http://schemas.openxmlformats.org/presentationml/2006/main">
   <p:cSld>
     <p:spTree>
@@ -39232,7 +38548,7 @@
             </a:pPr>
             <a:fld id="{00000000-1234-1234-1234-123412341234}" type="slidenum">
               <a:rPr lang="en-US"/>
-              <a:t>12</a:t>
+              <a:t>11</a:t>
             </a:fld>
             <a:endParaRPr/>
           </a:p>
@@ -41334,159 +40650,6 @@
   <p:cSld>
     <p:spTree>
       <p:nvGrpSpPr>
-        <p:cNvPr id="1" name=""/>
-        <p:cNvGrpSpPr/>
-        <p:nvPr/>
-      </p:nvGrpSpPr>
-      <p:grpSpPr>
-        <a:xfrm>
-          <a:off x="0" y="0"/>
-          <a:ext cx="0" cy="0"/>
-          <a:chOff x="0" y="0"/>
-          <a:chExt cx="0" cy="0"/>
-        </a:xfrm>
-      </p:grpSpPr>
-      <p:sp>
-        <p:nvSpPr>
-          <p:cNvPr id="2" name="Title 1">
-            <a:extLst>
-              <a:ext uri="{FF2B5EF4-FFF2-40B4-BE49-F238E27FC236}">
-                <a16:creationId xmlns:a16="http://schemas.microsoft.com/office/drawing/2014/main" id="{3112924C-222C-4F6F-B117-125B7B0E7D56}"/>
-              </a:ext>
-            </a:extLst>
-          </p:cNvPr>
-          <p:cNvSpPr>
-            <a:spLocks noGrp="1"/>
-          </p:cNvSpPr>
-          <p:nvPr>
-            <p:ph type="ctrTitle"/>
-          </p:nvPr>
-        </p:nvSpPr>
-        <p:spPr/>
-        <p:txBody>
-          <a:bodyPr/>
-          <a:lstStyle/>
-          <a:p>
-            <a:r>
-              <a:rPr lang="en-US" dirty="0"/>
-              <a:t>Exercise</a:t>
-            </a:r>
-          </a:p>
-        </p:txBody>
-      </p:sp>
-      <p:sp>
-        <p:nvSpPr>
-          <p:cNvPr id="3" name="Content Placeholder 2">
-            <a:extLst>
-              <a:ext uri="{FF2B5EF4-FFF2-40B4-BE49-F238E27FC236}">
-                <a16:creationId xmlns:a16="http://schemas.microsoft.com/office/drawing/2014/main" id="{6CCDD0C6-4C1B-48E9-A4E6-5F3C6AAF7126}"/>
-              </a:ext>
-            </a:extLst>
-          </p:cNvPr>
-          <p:cNvSpPr>
-            <a:spLocks noGrp="1"/>
-          </p:cNvSpPr>
-          <p:nvPr>
-            <p:ph type="subTitle" idx="1"/>
-          </p:nvPr>
-        </p:nvSpPr>
-        <p:spPr/>
-        <p:txBody>
-          <a:bodyPr>
-            <a:normAutofit lnSpcReduction="10000"/>
-          </a:bodyPr>
-          <a:lstStyle/>
-          <a:p>
-            <a:r>
-              <a:rPr lang="en-US" dirty="0"/>
-              <a:t>Create a new class that is a </a:t>
-            </a:r>
-            <a:r>
-              <a:rPr lang="en-US" dirty="0" err="1"/>
-              <a:t>FoodItem</a:t>
-            </a:r>
-            <a:r>
-              <a:rPr lang="en-US" dirty="0"/>
-              <a:t> and a </a:t>
-            </a:r>
-            <a:r>
-              <a:rPr lang="en-US" dirty="0" err="1"/>
-              <a:t>Tossable</a:t>
-            </a:r>
-            <a:r>
-              <a:rPr lang="en-US" dirty="0"/>
-              <a:t>. </a:t>
-            </a:r>
-          </a:p>
-          <a:p>
-            <a:r>
-              <a:rPr lang="en-US" dirty="0"/>
-              <a:t>Test the class in a </a:t>
-            </a:r>
-            <a:r>
-              <a:rPr lang="en-US" dirty="0" err="1"/>
-              <a:t>TestNameOfClass</a:t>
-            </a:r>
-            <a:r>
-              <a:rPr lang="en-US" dirty="0"/>
-              <a:t> program with a main method. </a:t>
-            </a:r>
-          </a:p>
-        </p:txBody>
-      </p:sp>
-      <p:sp>
-        <p:nvSpPr>
-          <p:cNvPr id="4" name="Slide Number Placeholder 3">
-            <a:extLst>
-              <a:ext uri="{FF2B5EF4-FFF2-40B4-BE49-F238E27FC236}">
-                <a16:creationId xmlns:a16="http://schemas.microsoft.com/office/drawing/2014/main" id="{91530382-EF1A-495B-90D9-F7AB3F14ABA9}"/>
-              </a:ext>
-            </a:extLst>
-          </p:cNvPr>
-          <p:cNvSpPr>
-            <a:spLocks noGrp="1"/>
-          </p:cNvSpPr>
-          <p:nvPr>
-            <p:ph type="sldNum" sz="quarter" idx="4294967295"/>
-          </p:nvPr>
-        </p:nvSpPr>
-        <p:spPr>
-          <a:xfrm>
-            <a:off x="8283575" y="6364288"/>
-            <a:ext cx="860425" cy="365125"/>
-          </a:xfrm>
-        </p:spPr>
-        <p:txBody>
-          <a:bodyPr/>
-          <a:lstStyle/>
-          <a:p>
-            <a:fld id="{F6728BC2-ACA3-447C-A909-F3F49211C066}" type="slidenum">
-              <a:rPr lang="en-US" smtClean="0"/>
-              <a:pPr/>
-              <a:t>7</a:t>
-            </a:fld>
-            <a:endParaRPr lang="en-US" dirty="0"/>
-          </a:p>
-        </p:txBody>
-      </p:sp>
-    </p:spTree>
-    <p:extLst>
-      <p:ext uri="{BB962C8B-B14F-4D97-AF65-F5344CB8AC3E}">
-        <p14:creationId xmlns:p14="http://schemas.microsoft.com/office/powerpoint/2010/main" val="301249173"/>
-      </p:ext>
-    </p:extLst>
-  </p:cSld>
-  <p:clrMapOvr>
-    <a:masterClrMapping/>
-  </p:clrMapOvr>
-</p:sld>
-</file>
-
-<file path=ppt/slides/slide9.xml><?xml version="1.0" encoding="utf-8"?>
-<p:sld xmlns:a="http://schemas.openxmlformats.org/drawingml/2006/main" xmlns:r="http://schemas.openxmlformats.org/officeDocument/2006/relationships" xmlns:p="http://schemas.openxmlformats.org/presentationml/2006/main">
-  <p:cSld>
-    <p:spTree>
-      <p:nvGrpSpPr>
         <p:cNvPr id="1" name="Shape 287"/>
         <p:cNvGrpSpPr/>
         <p:nvPr/>
@@ -41721,9 +40884,692 @@
             </a:pPr>
             <a:fld id="{00000000-1234-1234-1234-123412341234}" type="slidenum">
               <a:rPr lang="en-US"/>
+              <a:t>7</a:t>
+            </a:fld>
+            <a:endParaRPr/>
+          </a:p>
+        </p:txBody>
+      </p:sp>
+    </p:spTree>
+  </p:cSld>
+  <p:clrMapOvr>
+    <a:masterClrMapping/>
+  </p:clrMapOvr>
+</p:sld>
+</file>
+
+<file path=ppt/slides/slide9.xml><?xml version="1.0" encoding="utf-8"?>
+<p:sld xmlns:a="http://schemas.openxmlformats.org/drawingml/2006/main" xmlns:r="http://schemas.openxmlformats.org/officeDocument/2006/relationships" xmlns:p="http://schemas.openxmlformats.org/presentationml/2006/main">
+  <p:cSld>
+    <p:spTree>
+      <p:nvGrpSpPr>
+        <p:cNvPr id="1" name="Shape 294"/>
+        <p:cNvGrpSpPr/>
+        <p:nvPr/>
+      </p:nvGrpSpPr>
+      <p:grpSpPr>
+        <a:xfrm>
+          <a:off x="0" y="0"/>
+          <a:ext cx="0" cy="0"/>
+          <a:chOff x="0" y="0"/>
+          <a:chExt cx="0" cy="0"/>
+        </a:xfrm>
+      </p:grpSpPr>
+      <p:sp>
+        <p:nvSpPr>
+          <p:cNvPr id="295" name="Google Shape;295;p27"/>
+          <p:cNvSpPr txBox="1">
+            <a:spLocks noGrp="1"/>
+          </p:cNvSpPr>
+          <p:nvPr>
+            <p:ph type="title"/>
+          </p:nvPr>
+        </p:nvSpPr>
+        <p:spPr>
+          <a:xfrm>
+            <a:off x="380010" y="-4950"/>
+            <a:ext cx="6222671" cy="1224150"/>
+          </a:xfrm>
+          <a:prstGeom prst="rect">
+            <a:avLst/>
+          </a:prstGeom>
+          <a:noFill/>
+          <a:ln>
+            <a:noFill/>
+          </a:ln>
+        </p:spPr>
+        <p:txBody>
+          <a:bodyPr spcFirstLastPara="1" wrap="square" lIns="91425" tIns="45700" rIns="91425" bIns="45700" anchor="ctr" anchorCtr="0">
+            <a:noAutofit/>
+          </a:bodyPr>
+          <a:lstStyle/>
+          <a:p>
+            <a:pPr marL="0" lvl="0" indent="0" algn="l" rtl="0">
+              <a:spcBef>
+                <a:spcPts val="0"/>
+              </a:spcBef>
+              <a:spcAft>
+                <a:spcPts val="0"/>
+              </a:spcAft>
+              <a:buClr>
+                <a:schemeClr val="lt1"/>
+              </a:buClr>
+              <a:buSzPts val="2400"/>
+              <a:buFont typeface="Arial"/>
+              <a:buNone/>
+            </a:pPr>
+            <a:r>
+              <a:rPr lang="en-US"/>
+              <a:t>Stacktraces Cont.</a:t>
+            </a:r>
+            <a:endParaRPr/>
+          </a:p>
+        </p:txBody>
+      </p:sp>
+      <p:sp>
+        <p:nvSpPr>
+          <p:cNvPr id="296" name="Google Shape;296;p27"/>
+          <p:cNvSpPr txBox="1">
+            <a:spLocks noGrp="1"/>
+          </p:cNvSpPr>
+          <p:nvPr>
+            <p:ph type="body" idx="1"/>
+          </p:nvPr>
+        </p:nvSpPr>
+        <p:spPr>
+          <a:xfrm>
+            <a:off x="380010" y="1481447"/>
+            <a:ext cx="8383980" cy="3250810"/>
+          </a:xfrm>
+          <a:prstGeom prst="rect">
+            <a:avLst/>
+          </a:prstGeom>
+          <a:ln/>
+        </p:spPr>
+        <p:style>
+          <a:lnRef idx="1">
+            <a:schemeClr val="accent2"/>
+          </a:lnRef>
+          <a:fillRef idx="2">
+            <a:schemeClr val="accent2"/>
+          </a:fillRef>
+          <a:effectRef idx="1">
+            <a:schemeClr val="accent2"/>
+          </a:effectRef>
+          <a:fontRef idx="minor">
+            <a:schemeClr val="dk1"/>
+          </a:fontRef>
+        </p:style>
+        <p:txBody>
+          <a:bodyPr spcFirstLastPara="1" wrap="square" lIns="91425" tIns="45700" rIns="91425" bIns="45700" anchor="t" anchorCtr="0">
+            <a:noAutofit/>
+          </a:bodyPr>
+          <a:lstStyle/>
+          <a:p>
+            <a:pPr marL="0" lvl="0" indent="0" algn="l" rtl="0">
+              <a:spcBef>
+                <a:spcPts val="0"/>
+              </a:spcBef>
+              <a:spcAft>
+                <a:spcPts val="0"/>
+              </a:spcAft>
+              <a:buSzPts val="1600"/>
+              <a:buNone/>
+            </a:pPr>
+            <a:r>
+              <a:rPr lang="en-US" sz="1600" dirty="0">
+                <a:latin typeface="Courier New"/>
+                <a:ea typeface="Courier New"/>
+                <a:cs typeface="Courier New"/>
+                <a:sym typeface="Courier New"/>
+              </a:rPr>
+              <a:t>public class Test {</a:t>
+            </a:r>
+            <a:endParaRPr dirty="0"/>
+          </a:p>
+          <a:p>
+            <a:pPr marL="0" lvl="0" indent="0" algn="l" rtl="0">
+              <a:spcBef>
+                <a:spcPts val="320"/>
+              </a:spcBef>
+              <a:spcAft>
+                <a:spcPts val="0"/>
+              </a:spcAft>
+              <a:buSzPts val="1600"/>
+              <a:buNone/>
+            </a:pPr>
+            <a:r>
+              <a:rPr lang="en-US" sz="1600" dirty="0">
+                <a:latin typeface="Courier New"/>
+                <a:ea typeface="Courier New"/>
+                <a:cs typeface="Courier New"/>
+                <a:sym typeface="Courier New"/>
+              </a:rPr>
+              <a:t>	public static void main(String[] </a:t>
+            </a:r>
+            <a:r>
+              <a:rPr lang="en-US" sz="1600" dirty="0" err="1">
+                <a:latin typeface="Courier New"/>
+                <a:ea typeface="Courier New"/>
+                <a:cs typeface="Courier New"/>
+                <a:sym typeface="Courier New"/>
+              </a:rPr>
+              <a:t>args</a:t>
+            </a:r>
+            <a:r>
+              <a:rPr lang="en-US" sz="1600" dirty="0">
+                <a:latin typeface="Courier New"/>
+                <a:ea typeface="Courier New"/>
+                <a:cs typeface="Courier New"/>
+                <a:sym typeface="Courier New"/>
+              </a:rPr>
+              <a:t>) {</a:t>
+            </a:r>
+            <a:endParaRPr dirty="0"/>
+          </a:p>
+          <a:p>
+            <a:pPr marL="0" lvl="0" indent="0" algn="l" rtl="0">
+              <a:spcBef>
+                <a:spcPts val="320"/>
+              </a:spcBef>
+              <a:spcAft>
+                <a:spcPts val="0"/>
+              </a:spcAft>
+              <a:buSzPts val="1600"/>
+              <a:buNone/>
+            </a:pPr>
+            <a:r>
+              <a:rPr lang="en-US" sz="1600" dirty="0">
+                <a:latin typeface="Courier New"/>
+                <a:ea typeface="Courier New"/>
+                <a:cs typeface="Courier New"/>
+                <a:sym typeface="Courier New"/>
+              </a:rPr>
+              <a:t>		</a:t>
+            </a:r>
+            <a:r>
+              <a:rPr lang="en-US" sz="1600" dirty="0" err="1">
+                <a:latin typeface="Courier New"/>
+                <a:ea typeface="Courier New"/>
+                <a:cs typeface="Courier New"/>
+                <a:sym typeface="Courier New"/>
+              </a:rPr>
+              <a:t>mathInvoker</a:t>
+            </a:r>
+            <a:r>
+              <a:rPr lang="en-US" sz="1600" dirty="0">
+                <a:latin typeface="Courier New"/>
+                <a:ea typeface="Courier New"/>
+                <a:cs typeface="Courier New"/>
+                <a:sym typeface="Courier New"/>
+              </a:rPr>
+              <a:t>(1, 0);</a:t>
+            </a:r>
+            <a:endParaRPr dirty="0"/>
+          </a:p>
+          <a:p>
+            <a:pPr marL="0" lvl="0" indent="0" algn="l" rtl="0">
+              <a:spcBef>
+                <a:spcPts val="320"/>
+              </a:spcBef>
+              <a:spcAft>
+                <a:spcPts val="0"/>
+              </a:spcAft>
+              <a:buSzPts val="1600"/>
+              <a:buNone/>
+            </a:pPr>
+            <a:r>
+              <a:rPr lang="en-US" sz="1600" dirty="0">
+                <a:latin typeface="Courier New"/>
+                <a:ea typeface="Courier New"/>
+                <a:cs typeface="Courier New"/>
+                <a:sym typeface="Courier New"/>
+              </a:rPr>
+              <a:t>	}</a:t>
+            </a:r>
+            <a:endParaRPr dirty="0"/>
+          </a:p>
+          <a:p>
+            <a:pPr marL="0" lvl="0" indent="0" algn="l" rtl="0">
+              <a:spcBef>
+                <a:spcPts val="320"/>
+              </a:spcBef>
+              <a:spcAft>
+                <a:spcPts val="0"/>
+              </a:spcAft>
+              <a:buSzPts val="1600"/>
+              <a:buNone/>
+            </a:pPr>
+            <a:r>
+              <a:rPr lang="en-US" sz="1600" dirty="0">
+                <a:latin typeface="Courier New"/>
+                <a:ea typeface="Courier New"/>
+                <a:cs typeface="Courier New"/>
+                <a:sym typeface="Courier New"/>
+              </a:rPr>
+              <a:t>	public static void </a:t>
+            </a:r>
+            <a:r>
+              <a:rPr lang="en-US" sz="1600" dirty="0" err="1">
+                <a:latin typeface="Courier New"/>
+                <a:ea typeface="Courier New"/>
+                <a:cs typeface="Courier New"/>
+                <a:sym typeface="Courier New"/>
+              </a:rPr>
+              <a:t>mathInvoker</a:t>
+            </a:r>
+            <a:r>
+              <a:rPr lang="en-US" sz="1600" dirty="0">
+                <a:latin typeface="Courier New"/>
+                <a:ea typeface="Courier New"/>
+                <a:cs typeface="Courier New"/>
+                <a:sym typeface="Courier New"/>
+              </a:rPr>
+              <a:t>(int a, int b) {</a:t>
+            </a:r>
+            <a:endParaRPr dirty="0"/>
+          </a:p>
+          <a:p>
+            <a:pPr marL="0" lvl="0" indent="0" algn="l" rtl="0">
+              <a:spcBef>
+                <a:spcPts val="320"/>
+              </a:spcBef>
+              <a:spcAft>
+                <a:spcPts val="0"/>
+              </a:spcAft>
+              <a:buSzPts val="1600"/>
+              <a:buNone/>
+            </a:pPr>
+            <a:r>
+              <a:rPr lang="en-US" sz="1600" dirty="0">
+                <a:latin typeface="Courier New"/>
+                <a:ea typeface="Courier New"/>
+                <a:cs typeface="Courier New"/>
+                <a:sym typeface="Courier New"/>
+              </a:rPr>
+              <a:t>		division(a, b);</a:t>
+            </a:r>
+            <a:endParaRPr dirty="0"/>
+          </a:p>
+          <a:p>
+            <a:pPr marL="0" lvl="0" indent="0" algn="l" rtl="0">
+              <a:spcBef>
+                <a:spcPts val="320"/>
+              </a:spcBef>
+              <a:spcAft>
+                <a:spcPts val="0"/>
+              </a:spcAft>
+              <a:buSzPts val="1600"/>
+              <a:buNone/>
+            </a:pPr>
+            <a:r>
+              <a:rPr lang="en-US" sz="1600" dirty="0">
+                <a:latin typeface="Courier New"/>
+                <a:ea typeface="Courier New"/>
+                <a:cs typeface="Courier New"/>
+                <a:sym typeface="Courier New"/>
+              </a:rPr>
+              <a:t>	}</a:t>
+            </a:r>
+            <a:endParaRPr dirty="0"/>
+          </a:p>
+          <a:p>
+            <a:pPr marL="0" lvl="0" indent="0" algn="l" rtl="0">
+              <a:spcBef>
+                <a:spcPts val="320"/>
+              </a:spcBef>
+              <a:spcAft>
+                <a:spcPts val="0"/>
+              </a:spcAft>
+              <a:buSzPts val="1600"/>
+              <a:buNone/>
+            </a:pPr>
+            <a:r>
+              <a:rPr lang="en-US" sz="1600" dirty="0">
+                <a:latin typeface="Courier New"/>
+                <a:ea typeface="Courier New"/>
+                <a:cs typeface="Courier New"/>
+                <a:sym typeface="Courier New"/>
+              </a:rPr>
+              <a:t>	public static void division(int a, int b) {</a:t>
+            </a:r>
+            <a:endParaRPr dirty="0"/>
+          </a:p>
+          <a:p>
+            <a:pPr marL="0" lvl="0" indent="0" algn="l" rtl="0">
+              <a:spcBef>
+                <a:spcPts val="320"/>
+              </a:spcBef>
+              <a:spcAft>
+                <a:spcPts val="0"/>
+              </a:spcAft>
+              <a:buSzPts val="1600"/>
+              <a:buNone/>
+            </a:pPr>
+            <a:r>
+              <a:rPr lang="en-US" sz="1600" dirty="0">
+                <a:latin typeface="Courier New"/>
+                <a:ea typeface="Courier New"/>
+                <a:cs typeface="Courier New"/>
+                <a:sym typeface="Courier New"/>
+              </a:rPr>
+              <a:t>		</a:t>
+            </a:r>
+            <a:r>
+              <a:rPr lang="en-US" sz="1600" dirty="0" err="1">
+                <a:latin typeface="Courier New"/>
+                <a:ea typeface="Courier New"/>
+                <a:cs typeface="Courier New"/>
+                <a:sym typeface="Courier New"/>
+              </a:rPr>
+              <a:t>System.out.println</a:t>
+            </a:r>
+            <a:r>
+              <a:rPr lang="en-US" sz="1600" dirty="0">
+                <a:latin typeface="Courier New"/>
+                <a:ea typeface="Courier New"/>
+                <a:cs typeface="Courier New"/>
+                <a:sym typeface="Courier New"/>
+              </a:rPr>
+              <a:t>("a / b:" + (a / b));</a:t>
+            </a:r>
+            <a:endParaRPr dirty="0"/>
+          </a:p>
+          <a:p>
+            <a:pPr marL="0" lvl="0" indent="0" algn="l" rtl="0">
+              <a:spcBef>
+                <a:spcPts val="320"/>
+              </a:spcBef>
+              <a:spcAft>
+                <a:spcPts val="0"/>
+              </a:spcAft>
+              <a:buSzPts val="1600"/>
+              <a:buNone/>
+            </a:pPr>
+            <a:r>
+              <a:rPr lang="en-US" sz="1600" dirty="0">
+                <a:latin typeface="Courier New"/>
+                <a:ea typeface="Courier New"/>
+                <a:cs typeface="Courier New"/>
+                <a:sym typeface="Courier New"/>
+              </a:rPr>
+              <a:t>	} </a:t>
+            </a:r>
+            <a:endParaRPr dirty="0"/>
+          </a:p>
+          <a:p>
+            <a:pPr marL="0" lvl="0" indent="0" algn="l" rtl="0">
+              <a:spcBef>
+                <a:spcPts val="320"/>
+              </a:spcBef>
+              <a:spcAft>
+                <a:spcPts val="0"/>
+              </a:spcAft>
+              <a:buSzPts val="1600"/>
+              <a:buNone/>
+            </a:pPr>
+            <a:r>
+              <a:rPr lang="en-US" sz="1600" dirty="0">
+                <a:latin typeface="Courier New"/>
+                <a:ea typeface="Courier New"/>
+                <a:cs typeface="Courier New"/>
+                <a:sym typeface="Courier New"/>
+              </a:rPr>
+              <a:t>}</a:t>
+            </a:r>
+            <a:endParaRPr dirty="0"/>
+          </a:p>
+          <a:p>
+            <a:pPr marL="0" lvl="0" indent="0" algn="l" rtl="0">
+              <a:spcBef>
+                <a:spcPts val="320"/>
+              </a:spcBef>
+              <a:spcAft>
+                <a:spcPts val="0"/>
+              </a:spcAft>
+              <a:buSzPts val="1600"/>
+              <a:buNone/>
+            </a:pPr>
+            <a:endParaRPr sz="1600" dirty="0">
+              <a:latin typeface="Courier New"/>
+              <a:ea typeface="Courier New"/>
+              <a:cs typeface="Courier New"/>
+              <a:sym typeface="Courier New"/>
+            </a:endParaRPr>
+          </a:p>
+        </p:txBody>
+      </p:sp>
+      <p:sp>
+        <p:nvSpPr>
+          <p:cNvPr id="297" name="Google Shape;297;p27"/>
+          <p:cNvSpPr txBox="1">
+            <a:spLocks noGrp="1"/>
+          </p:cNvSpPr>
+          <p:nvPr>
+            <p:ph type="sldNum" idx="12"/>
+          </p:nvPr>
+        </p:nvSpPr>
+        <p:spPr>
+          <a:xfrm>
+            <a:off x="8122757" y="6363712"/>
+            <a:ext cx="861671" cy="365125"/>
+          </a:xfrm>
+          <a:prstGeom prst="rect">
+            <a:avLst/>
+          </a:prstGeom>
+          <a:noFill/>
+          <a:ln>
+            <a:noFill/>
+          </a:ln>
+        </p:spPr>
+        <p:txBody>
+          <a:bodyPr spcFirstLastPara="1" wrap="square" lIns="91425" tIns="45700" rIns="91425" bIns="45700" anchor="ctr" anchorCtr="0">
+            <a:noAutofit/>
+          </a:bodyPr>
+          <a:lstStyle/>
+          <a:p>
+            <a:pPr marL="0" lvl="0" indent="0" algn="r" rtl="0">
+              <a:spcBef>
+                <a:spcPts val="0"/>
+              </a:spcBef>
+              <a:spcAft>
+                <a:spcPts val="0"/>
+              </a:spcAft>
+              <a:buNone/>
+            </a:pPr>
+            <a:fld id="{00000000-1234-1234-1234-123412341234}" type="slidenum">
+              <a:rPr lang="en-US"/>
               <a:t>8</a:t>
             </a:fld>
             <a:endParaRPr/>
+          </a:p>
+        </p:txBody>
+      </p:sp>
+      <p:sp>
+        <p:nvSpPr>
+          <p:cNvPr id="2" name="Rectangle 1">
+            <a:extLst>
+              <a:ext uri="{FF2B5EF4-FFF2-40B4-BE49-F238E27FC236}">
+                <a16:creationId xmlns:a16="http://schemas.microsoft.com/office/drawing/2014/main" id="{F3D525DE-2ED0-40F9-BA2A-E74AB16BF822}"/>
+              </a:ext>
+            </a:extLst>
+          </p:cNvPr>
+          <p:cNvSpPr/>
+          <p:nvPr/>
+        </p:nvSpPr>
+        <p:spPr>
+          <a:xfrm>
+            <a:off x="915869" y="5138228"/>
+            <a:ext cx="7312262" cy="1225484"/>
+          </a:xfrm>
+          <a:prstGeom prst="rect">
+            <a:avLst/>
+          </a:prstGeom>
+        </p:spPr>
+        <p:style>
+          <a:lnRef idx="1">
+            <a:schemeClr val="accent1"/>
+          </a:lnRef>
+          <a:fillRef idx="2">
+            <a:schemeClr val="accent1"/>
+          </a:fillRef>
+          <a:effectRef idx="1">
+            <a:schemeClr val="accent1"/>
+          </a:effectRef>
+          <a:fontRef idx="minor">
+            <a:schemeClr val="dk1"/>
+          </a:fontRef>
+        </p:style>
+        <p:txBody>
+          <a:bodyPr rtlCol="0" anchor="ctr"/>
+          <a:lstStyle/>
+          <a:p>
+            <a:pPr lvl="0">
+              <a:spcBef>
+                <a:spcPts val="320"/>
+              </a:spcBef>
+              <a:buSzPts val="1600"/>
+            </a:pPr>
+            <a:r>
+              <a:rPr lang="en-US" dirty="0">
+                <a:latin typeface="Courier New"/>
+                <a:ea typeface="Courier New"/>
+                <a:cs typeface="Courier New"/>
+                <a:sym typeface="Courier New"/>
+              </a:rPr>
+              <a:t>Exception in thread "main" </a:t>
+            </a:r>
+            <a:r>
+              <a:rPr lang="en-US" dirty="0" err="1">
+                <a:latin typeface="Courier New"/>
+                <a:ea typeface="Courier New"/>
+                <a:cs typeface="Courier New"/>
+                <a:sym typeface="Courier New"/>
+              </a:rPr>
+              <a:t>java.lang.ArithmeticException</a:t>
+            </a:r>
+            <a:r>
+              <a:rPr lang="en-US" dirty="0">
+                <a:latin typeface="Courier New"/>
+                <a:ea typeface="Courier New"/>
+                <a:cs typeface="Courier New"/>
+                <a:sym typeface="Courier New"/>
+              </a:rPr>
+              <a:t>: / by zero</a:t>
+            </a:r>
+            <a:endParaRPr lang="en-US" dirty="0"/>
+          </a:p>
+          <a:p>
+            <a:pPr lvl="0">
+              <a:spcBef>
+                <a:spcPts val="320"/>
+              </a:spcBef>
+              <a:buSzPts val="1600"/>
+            </a:pPr>
+            <a:r>
+              <a:rPr lang="en-US" dirty="0">
+                <a:latin typeface="Courier New"/>
+                <a:ea typeface="Courier New"/>
+                <a:cs typeface="Courier New"/>
+                <a:sym typeface="Courier New"/>
+              </a:rPr>
+              <a:t>	at </a:t>
+            </a:r>
+            <a:r>
+              <a:rPr lang="en-US" dirty="0" err="1">
+                <a:latin typeface="Courier New"/>
+                <a:ea typeface="Courier New"/>
+                <a:cs typeface="Courier New"/>
+                <a:sym typeface="Courier New"/>
+              </a:rPr>
+              <a:t>samples.Test.division</a:t>
+            </a:r>
+            <a:r>
+              <a:rPr lang="en-US" dirty="0">
+                <a:latin typeface="Courier New"/>
+                <a:ea typeface="Courier New"/>
+                <a:cs typeface="Courier New"/>
+                <a:sym typeface="Courier New"/>
+              </a:rPr>
+              <a:t>(Test.java:11)</a:t>
+            </a:r>
+            <a:endParaRPr lang="en-US" dirty="0"/>
+          </a:p>
+          <a:p>
+            <a:pPr lvl="0">
+              <a:spcBef>
+                <a:spcPts val="320"/>
+              </a:spcBef>
+              <a:buSzPts val="1600"/>
+            </a:pPr>
+            <a:r>
+              <a:rPr lang="en-US" dirty="0">
+                <a:latin typeface="Courier New"/>
+                <a:ea typeface="Courier New"/>
+                <a:cs typeface="Courier New"/>
+                <a:sym typeface="Courier New"/>
+              </a:rPr>
+              <a:t>	at </a:t>
+            </a:r>
+            <a:r>
+              <a:rPr lang="en-US" dirty="0" err="1">
+                <a:latin typeface="Courier New"/>
+                <a:ea typeface="Courier New"/>
+                <a:cs typeface="Courier New"/>
+                <a:sym typeface="Courier New"/>
+              </a:rPr>
+              <a:t>samples.Test.mathInvoker</a:t>
+            </a:r>
+            <a:r>
+              <a:rPr lang="en-US" dirty="0">
+                <a:latin typeface="Courier New"/>
+                <a:ea typeface="Courier New"/>
+                <a:cs typeface="Courier New"/>
+                <a:sym typeface="Courier New"/>
+              </a:rPr>
+              <a:t>(Test.java:8)</a:t>
+            </a:r>
+            <a:endParaRPr lang="en-US" dirty="0"/>
+          </a:p>
+          <a:p>
+            <a:pPr lvl="0">
+              <a:spcBef>
+                <a:spcPts val="320"/>
+              </a:spcBef>
+              <a:buSzPts val="1600"/>
+            </a:pPr>
+            <a:r>
+              <a:rPr lang="en-US" dirty="0">
+                <a:latin typeface="Courier New"/>
+                <a:ea typeface="Courier New"/>
+                <a:cs typeface="Courier New"/>
+                <a:sym typeface="Courier New"/>
+              </a:rPr>
+              <a:t>	at </a:t>
+            </a:r>
+            <a:r>
+              <a:rPr lang="en-US" dirty="0" err="1">
+                <a:latin typeface="Courier New"/>
+                <a:ea typeface="Courier New"/>
+                <a:cs typeface="Courier New"/>
+                <a:sym typeface="Courier New"/>
+              </a:rPr>
+              <a:t>samples.Test.main</a:t>
+            </a:r>
+            <a:r>
+              <a:rPr lang="en-US" dirty="0">
+                <a:latin typeface="Courier New"/>
+                <a:ea typeface="Courier New"/>
+                <a:cs typeface="Courier New"/>
+                <a:sym typeface="Courier New"/>
+              </a:rPr>
+              <a:t>(Test.java:5)</a:t>
+            </a:r>
+            <a:endParaRPr lang="en-US" dirty="0"/>
+          </a:p>
+          <a:p>
+            <a:pPr algn="ctr"/>
+            <a:endParaRPr lang="en-US" dirty="0"/>
           </a:p>
         </p:txBody>
       </p:sp>

--- a/powerpoints/Day_15.pptx
+++ b/powerpoints/Day_15.pptx
@@ -562,7 +562,7 @@
           <a:p>
             <a:fld id="{247597C3-B3EB-4E5D-9F17-29538D6D2587}" type="datetimeFigureOut">
               <a:rPr lang="en-US" smtClean="0"/>
-              <a:t>9/27/2021</a:t>
+              <a:t>10/1/2021</a:t>
             </a:fld>
             <a:endParaRPr lang="en-US"/>
           </a:p>
@@ -37731,7 +37731,7 @@
               <a:buNone/>
             </a:pPr>
             <a:r>
-              <a:rPr lang="en-US" sz="1480">
+              <a:rPr lang="en-US" sz="1480" dirty="0">
                 <a:latin typeface="Courier New"/>
                 <a:ea typeface="Courier New"/>
                 <a:cs typeface="Courier New"/>
@@ -37740,7 +37740,7 @@
               <a:t>Exception in thread "main" </a:t>
             </a:r>
             <a:r>
-              <a:rPr lang="en-US" sz="1480">
+              <a:rPr lang="en-US" sz="1480" dirty="0" err="1">
                 <a:highlight>
                   <a:srgbClr val="FFFF00"/>
                 </a:highlight>
@@ -37752,7 +37752,7 @@
               <a:t>java.lang.ArithmeticException</a:t>
             </a:r>
             <a:r>
-              <a:rPr lang="en-US" sz="1480">
+              <a:rPr lang="en-US" sz="1480" dirty="0">
                 <a:latin typeface="Courier New"/>
                 <a:ea typeface="Courier New"/>
                 <a:cs typeface="Courier New"/>
@@ -37761,7 +37761,7 @@
               <a:t>: </a:t>
             </a:r>
             <a:r>
-              <a:rPr lang="en-US" sz="1480">
+              <a:rPr lang="en-US" sz="1480" dirty="0">
                 <a:highlight>
                   <a:srgbClr val="00FF00"/>
                 </a:highlight>
@@ -37772,7 +37772,7 @@
               </a:rPr>
               <a:t>/ by zero</a:t>
             </a:r>
-            <a:endParaRPr/>
+            <a:endParaRPr dirty="0"/>
           </a:p>
           <a:p>
             <a:pPr marL="0" lvl="0" indent="0" algn="l" rtl="0">
@@ -37789,7 +37789,7 @@
               <a:buNone/>
             </a:pPr>
             <a:r>
-              <a:rPr lang="en-US" sz="1480">
+              <a:rPr lang="en-US" sz="1480" dirty="0">
                 <a:latin typeface="Courier New"/>
                 <a:ea typeface="Courier New"/>
                 <a:cs typeface="Courier New"/>
@@ -37798,7 +37798,7 @@
               <a:t>	at </a:t>
             </a:r>
             <a:r>
-              <a:rPr lang="en-US" sz="1480">
+              <a:rPr lang="en-US" sz="1480" dirty="0" err="1">
                 <a:highlight>
                   <a:srgbClr val="00FFFF"/>
                 </a:highlight>
@@ -37810,7 +37810,7 @@
               <a:t>samples.Test.division</a:t>
             </a:r>
             <a:r>
-              <a:rPr lang="en-US" sz="1480">
+              <a:rPr lang="en-US" sz="1480" dirty="0">
                 <a:latin typeface="Courier New"/>
                 <a:ea typeface="Courier New"/>
                 <a:cs typeface="Courier New"/>
@@ -37819,7 +37819,7 @@
               <a:t>(</a:t>
             </a:r>
             <a:r>
-              <a:rPr lang="en-US" sz="1480">
+              <a:rPr lang="en-US" sz="1480" dirty="0">
                 <a:highlight>
                   <a:srgbClr val="FF00FF"/>
                 </a:highlight>
@@ -37831,7 +37831,7 @@
               <a:t>Test.java:11</a:t>
             </a:r>
             <a:r>
-              <a:rPr lang="en-US" sz="1480">
+              <a:rPr lang="en-US" sz="1480" dirty="0">
                 <a:latin typeface="Courier New"/>
                 <a:ea typeface="Courier New"/>
                 <a:cs typeface="Courier New"/>
@@ -37839,7 +37839,7 @@
               </a:rPr>
               <a:t>)</a:t>
             </a:r>
-            <a:endParaRPr/>
+            <a:endParaRPr dirty="0"/>
           </a:p>
           <a:p>
             <a:pPr marL="0" lvl="0" indent="0" algn="l" rtl="0">
@@ -37856,15 +37856,33 @@
               <a:buNone/>
             </a:pPr>
             <a:r>
-              <a:rPr lang="en-US" sz="1480">
+              <a:rPr lang="en-US" sz="1480" dirty="0">
                 <a:latin typeface="Courier New"/>
                 <a:ea typeface="Courier New"/>
                 <a:cs typeface="Courier New"/>
                 <a:sym typeface="Courier New"/>
               </a:rPr>
-              <a:t>	at samples.Test.mathInvoker(Test.java:8)</a:t>
+              <a:t>	at </a:t>
             </a:r>
-            <a:endParaRPr/>
+            <a:r>
+              <a:rPr lang="en-US" sz="1480" dirty="0" err="1">
+                <a:latin typeface="Courier New"/>
+                <a:ea typeface="Courier New"/>
+                <a:cs typeface="Courier New"/>
+                <a:sym typeface="Courier New"/>
+              </a:rPr>
+              <a:t>samples.Test.mathInvoker</a:t>
+            </a:r>
+            <a:r>
+              <a:rPr lang="en-US" sz="1480" dirty="0">
+                <a:latin typeface="Courier New"/>
+                <a:ea typeface="Courier New"/>
+                <a:cs typeface="Courier New"/>
+                <a:sym typeface="Courier New"/>
+              </a:rPr>
+              <a:t>(Test.java:8)</a:t>
+            </a:r>
+            <a:endParaRPr dirty="0"/>
           </a:p>
           <a:p>
             <a:pPr marL="0" lvl="0" indent="0" algn="l" rtl="0">
@@ -37881,15 +37899,33 @@
               <a:buNone/>
             </a:pPr>
             <a:r>
-              <a:rPr lang="en-US" sz="1480">
+              <a:rPr lang="en-US" sz="1480" dirty="0">
                 <a:latin typeface="Courier New"/>
                 <a:ea typeface="Courier New"/>
                 <a:cs typeface="Courier New"/>
                 <a:sym typeface="Courier New"/>
               </a:rPr>
-              <a:t>	at samples.Test.main(Test.java:5)</a:t>
+              <a:t>	at </a:t>
             </a:r>
-            <a:endParaRPr/>
+            <a:r>
+              <a:rPr lang="en-US" sz="1480" dirty="0" err="1">
+                <a:latin typeface="Courier New"/>
+                <a:ea typeface="Courier New"/>
+                <a:cs typeface="Courier New"/>
+                <a:sym typeface="Courier New"/>
+              </a:rPr>
+              <a:t>samples.Test.main</a:t>
+            </a:r>
+            <a:r>
+              <a:rPr lang="en-US" sz="1480" dirty="0">
+                <a:latin typeface="Courier New"/>
+                <a:ea typeface="Courier New"/>
+                <a:cs typeface="Courier New"/>
+                <a:sym typeface="Courier New"/>
+              </a:rPr>
+              <a:t>(Test.java:5)</a:t>
+            </a:r>
+            <a:endParaRPr dirty="0"/>
           </a:p>
           <a:p>
             <a:pPr marL="342900" lvl="0" indent="-342900" algn="l" rtl="0">
@@ -37906,7 +37942,7 @@
               <a:buChar char="•"/>
             </a:pPr>
             <a:r>
-              <a:rPr lang="en-US" sz="2590">
+              <a:rPr lang="en-US" sz="2590" dirty="0">
                 <a:highlight>
                   <a:srgbClr val="FFFF00"/>
                 </a:highlight>
@@ -37914,10 +37950,10 @@
               <a:t>    </a:t>
             </a:r>
             <a:r>
-              <a:rPr lang="en-US" sz="2590"/>
+              <a:rPr lang="en-US" sz="2590" dirty="0"/>
               <a:t> - The exception type (Arithmetic Exception)</a:t>
             </a:r>
-            <a:endParaRPr/>
+            <a:endParaRPr dirty="0"/>
           </a:p>
           <a:p>
             <a:pPr marL="342900" lvl="0" indent="-342900" algn="l" rtl="0">
@@ -37934,7 +37970,7 @@
               <a:buChar char="•"/>
             </a:pPr>
             <a:r>
-              <a:rPr lang="en-US" sz="2590">
+              <a:rPr lang="en-US" sz="2590" dirty="0">
                 <a:highlight>
                   <a:srgbClr val="00FF00"/>
                 </a:highlight>
@@ -37942,10 +37978,10 @@
               <a:t>    </a:t>
             </a:r>
             <a:r>
-              <a:rPr lang="en-US" sz="2590"/>
+              <a:rPr lang="en-US" sz="2590" dirty="0"/>
               <a:t> - A description of the exception (if possible)</a:t>
             </a:r>
-            <a:endParaRPr/>
+            <a:endParaRPr dirty="0"/>
           </a:p>
           <a:p>
             <a:pPr marL="342900" lvl="0" indent="-342900" algn="l" rtl="0">
@@ -37962,7 +37998,7 @@
               <a:buChar char="•"/>
             </a:pPr>
             <a:r>
-              <a:rPr lang="en-US" sz="2590">
+              <a:rPr lang="en-US" sz="2590" dirty="0">
                 <a:highlight>
                   <a:srgbClr val="00FFFF"/>
                 </a:highlight>
@@ -37970,18 +38006,18 @@
               <a:t>    </a:t>
             </a:r>
             <a:r>
-              <a:rPr lang="en-US" sz="2590"/>
+              <a:rPr lang="en-US" sz="2590" dirty="0"/>
               <a:t> - The method where the exception </a:t>
             </a:r>
             <a:r>
-              <a:rPr lang="en-US" sz="2590" i="1"/>
+              <a:rPr lang="en-US" sz="2590" i="1" dirty="0"/>
               <a:t>probably </a:t>
             </a:r>
             <a:r>
-              <a:rPr lang="en-US" sz="2590"/>
+              <a:rPr lang="en-US" sz="2590" dirty="0"/>
               <a:t>occurred</a:t>
             </a:r>
-            <a:endParaRPr/>
+            <a:endParaRPr dirty="0"/>
           </a:p>
           <a:p>
             <a:pPr marL="342900" lvl="0" indent="-342900" algn="l" rtl="0">
@@ -37998,7 +38034,7 @@
               <a:buChar char="•"/>
             </a:pPr>
             <a:r>
-              <a:rPr lang="en-US" sz="2590">
+              <a:rPr lang="en-US" sz="2590" dirty="0">
                 <a:highlight>
                   <a:srgbClr val="FF00FF"/>
                 </a:highlight>
@@ -38006,14 +38042,14 @@
               <a:t>    </a:t>
             </a:r>
             <a:r>
-              <a:rPr lang="en-US" sz="2590"/>
+              <a:rPr lang="en-US" sz="2590" dirty="0"/>
               <a:t> - The line of code where the exception occurred </a:t>
             </a:r>
             <a:r>
-              <a:rPr lang="en-US" sz="2590" i="1"/>
+              <a:rPr lang="en-US" sz="2590" i="1" dirty="0"/>
               <a:t>or where the next function was called</a:t>
             </a:r>
-            <a:endParaRPr/>
+            <a:endParaRPr dirty="0"/>
           </a:p>
           <a:p>
             <a:pPr marL="342900" lvl="0" indent="-342900" algn="l" rtl="0">
@@ -38030,10 +38066,18 @@
               <a:buChar char="•"/>
             </a:pPr>
             <a:r>
-              <a:rPr lang="en-US" sz="2590"/>
-              <a:t>main() invoked mathInvoker() at line 5, which invoked division() at line 8, which generated an exception at line 11.</a:t>
+              <a:rPr lang="en-US" sz="2590" dirty="0"/>
+              <a:t>main() invoked </a:t>
             </a:r>
-            <a:endParaRPr/>
+            <a:r>
+              <a:rPr lang="en-US" sz="2590" dirty="0" err="1"/>
+              <a:t>mathInvoker</a:t>
+            </a:r>
+            <a:r>
+              <a:rPr lang="en-US" sz="2590" dirty="0"/>
+              <a:t>() at line 5, which invoked division() at line 8, which generated an exception at line 11.</a:t>
+            </a:r>
+            <a:endParaRPr dirty="0"/>
           </a:p>
         </p:txBody>
       </p:sp>
@@ -38202,10 +38246,10 @@
               <a:buChar char="•"/>
             </a:pPr>
             <a:r>
-              <a:rPr lang="en-US" sz="2590"/>
+              <a:rPr lang="en-US" sz="2590" dirty="0"/>
               <a:t>The source of a problem isn’t always where the exception occurs. In the previous example, the source of the error was in the bad data provided in main(), even though the exception occurred in division()</a:t>
             </a:r>
-            <a:endParaRPr/>
+            <a:endParaRPr dirty="0"/>
           </a:p>
           <a:p>
             <a:pPr marL="342900" lvl="0" indent="-342900" algn="l" rtl="0">
@@ -38222,10 +38266,10 @@
               <a:buChar char="•"/>
             </a:pPr>
             <a:r>
-              <a:rPr lang="en-US" sz="2590"/>
+              <a:rPr lang="en-US" sz="2590" dirty="0"/>
               <a:t>Exception descriptions are not always useful, but generally are</a:t>
             </a:r>
-            <a:endParaRPr/>
+            <a:endParaRPr dirty="0"/>
           </a:p>
           <a:p>
             <a:pPr marL="342900" lvl="0" indent="-342900" algn="l" rtl="0">
@@ -38242,18 +38286,18 @@
               <a:buChar char="•"/>
             </a:pPr>
             <a:r>
-              <a:rPr lang="en-US" sz="2590"/>
+              <a:rPr lang="en-US" sz="2590" dirty="0"/>
               <a:t>When using some libraries, the actual method invocation that </a:t>
             </a:r>
             <a:r>
-              <a:rPr lang="en-US" sz="2590" i="1"/>
+              <a:rPr lang="en-US" sz="2590" i="1" dirty="0"/>
               <a:t>caused</a:t>
             </a:r>
             <a:r>
-              <a:rPr lang="en-US" sz="2590"/>
+              <a:rPr lang="en-US" sz="2590" dirty="0"/>
               <a:t> the exception could be buried in the stack, as the library continues to put its own function calls on top of the stack after the exception.</a:t>
             </a:r>
-            <a:endParaRPr/>
+            <a:endParaRPr dirty="0"/>
           </a:p>
         </p:txBody>
       </p:sp>
